--- a/LSE_DA201_assignment_presentation_Javier_Conde.pptx
+++ b/LSE_DA201_assignment_presentation_Javier_Conde.pptx
@@ -5,10 +5,10 @@
     <p:sldMasterId id="2147484060" r:id="rId4"/>
   </p:sldMasterIdLst>
   <p:notesMasterIdLst>
-    <p:notesMasterId r:id="rId28"/>
+    <p:notesMasterId r:id="rId29"/>
   </p:notesMasterIdLst>
   <p:handoutMasterIdLst>
-    <p:handoutMasterId r:id="rId29"/>
+    <p:handoutMasterId r:id="rId30"/>
   </p:handoutMasterIdLst>
   <p:sldIdLst>
     <p:sldId id="411" r:id="rId5"/>
@@ -32,8 +32,9 @@
     <p:sldId id="431" r:id="rId23"/>
     <p:sldId id="432" r:id="rId24"/>
     <p:sldId id="433" r:id="rId25"/>
-    <p:sldId id="418" r:id="rId26"/>
-    <p:sldId id="412" r:id="rId27"/>
+    <p:sldId id="434" r:id="rId26"/>
+    <p:sldId id="418" r:id="rId27"/>
+    <p:sldId id="412" r:id="rId28"/>
   </p:sldIdLst>
   <p:sldSz cx="12192000" cy="6858000"/>
   <p:notesSz cx="6858000" cy="9144000"/>
@@ -21546,6 +21547,979 @@
             </a:pPr>
             <a:r>
               <a:rPr lang="en-GB" sz="1600" i="1" dirty="0"/>
+              <a:t>Javier Conde | 23</a:t>
+            </a:r>
+            <a:r>
+              <a:rPr lang="en-GB" sz="1600" i="1" baseline="30000" dirty="0"/>
+              <a:t>rd</a:t>
+            </a:r>
+            <a:r>
+              <a:rPr lang="en-GB" sz="1600" i="1" dirty="0"/>
+              <a:t> May 2022</a:t>
+            </a:r>
+          </a:p>
+        </p:txBody>
+      </p:sp>
+      <p:sp>
+        <p:nvSpPr>
+          <p:cNvPr id="4" name="Rectangle 3">
+            <a:extLst>
+              <a:ext uri="{FF2B5EF4-FFF2-40B4-BE49-F238E27FC236}">
+                <a16:creationId xmlns:a16="http://schemas.microsoft.com/office/drawing/2014/main" id="{3728FDD4-9A75-E258-5BBA-996445954054}"/>
+              </a:ext>
+            </a:extLst>
+          </p:cNvPr>
+          <p:cNvSpPr/>
+          <p:nvPr/>
+        </p:nvSpPr>
+        <p:spPr>
+          <a:xfrm>
+            <a:off x="512720" y="168192"/>
+            <a:ext cx="10847412" cy="5859168"/>
+          </a:xfrm>
+          <a:prstGeom prst="rect">
+            <a:avLst/>
+          </a:prstGeom>
+          <a:solidFill>
+            <a:schemeClr val="bg1"/>
+          </a:solidFill>
+          <a:ln>
+            <a:noFill/>
+          </a:ln>
+        </p:spPr>
+        <p:style>
+          <a:lnRef idx="2">
+            <a:schemeClr val="accent1">
+              <a:shade val="50000"/>
+            </a:schemeClr>
+          </a:lnRef>
+          <a:fillRef idx="1">
+            <a:schemeClr val="accent1"/>
+          </a:fillRef>
+          <a:effectRef idx="0">
+            <a:schemeClr val="accent1"/>
+          </a:effectRef>
+          <a:fontRef idx="minor">
+            <a:schemeClr val="lt1"/>
+          </a:fontRef>
+        </p:style>
+        <p:txBody>
+          <a:bodyPr rtlCol="0" anchor="ctr"/>
+          <a:lstStyle/>
+          <a:p>
+            <a:pPr marL="285750" indent="-285750">
+              <a:buFontTx/>
+              <a:buChar char="-"/>
+            </a:pPr>
+            <a:r>
+              <a:rPr lang="en-GB" sz="1300" dirty="0">
+                <a:solidFill>
+                  <a:schemeClr val="tx1"/>
+                </a:solidFill>
+              </a:rPr>
+              <a:t>Comparisons of cycles on vaccinations (evolution of 1</a:t>
+            </a:r>
+            <a:r>
+              <a:rPr lang="en-GB" sz="1300" baseline="30000" dirty="0">
+                <a:solidFill>
+                  <a:schemeClr val="tx1"/>
+                </a:solidFill>
+              </a:rPr>
+              <a:t>st</a:t>
+            </a:r>
+            <a:r>
+              <a:rPr lang="en-GB" sz="1300" dirty="0">
+                <a:solidFill>
+                  <a:schemeClr val="tx1"/>
+                </a:solidFill>
+              </a:rPr>
+              <a:t> dose vs 2</a:t>
+            </a:r>
+            <a:r>
+              <a:rPr lang="en-GB" sz="1300" baseline="30000" dirty="0">
+                <a:solidFill>
+                  <a:schemeClr val="tx1"/>
+                </a:solidFill>
+              </a:rPr>
+              <a:t>nd</a:t>
+            </a:r>
+            <a:r>
+              <a:rPr lang="en-GB" sz="1300" dirty="0">
+                <a:solidFill>
+                  <a:schemeClr val="tx1"/>
+                </a:solidFill>
+              </a:rPr>
+              <a:t> dose rollout) reach peak 4 months apart across the regions, which is in line with expected timelines</a:t>
+            </a:r>
+          </a:p>
+          <a:p>
+            <a:pPr marL="285750" indent="-285750">
+              <a:buFontTx/>
+              <a:buChar char="-"/>
+            </a:pPr>
+            <a:r>
+              <a:rPr lang="en-GB" sz="1300" dirty="0">
+                <a:solidFill>
+                  <a:schemeClr val="tx1"/>
+                </a:solidFill>
+              </a:rPr>
+              <a:t>Statistical insignificance of the rollout difference between regions (consistent 95.5%) </a:t>
+            </a:r>
+          </a:p>
+          <a:p>
+            <a:pPr marL="285750" indent="-285750">
+              <a:buFontTx/>
+              <a:buChar char="-"/>
+            </a:pPr>
+            <a:r>
+              <a:rPr lang="en-GB" sz="1300" dirty="0">
+                <a:solidFill>
+                  <a:schemeClr val="tx1"/>
+                </a:solidFill>
+              </a:rPr>
+              <a:t>Saint Helena, Montserrat, Bermuda and Gibraltar provinces with highest death/cases ratio. As only one death reported in both Saint Helena and Montserrat, Bermuda and Gibraltar are the provinces where we would advice to research aiming for a possible marketing campaign</a:t>
+            </a:r>
+          </a:p>
+          <a:p>
+            <a:pPr marL="285750" indent="-285750">
+              <a:buFontTx/>
+              <a:buChar char="-"/>
+            </a:pPr>
+            <a:r>
+              <a:rPr lang="en-GB" sz="1300" dirty="0">
+                <a:solidFill>
+                  <a:schemeClr val="tx1"/>
+                </a:solidFill>
+              </a:rPr>
+              <a:t>Deaths reaching early plateaus (early 2020) in Channel Islands, Turks, Isle of Man and British Virgin Islands with another increase in early 2021. Stabilisation of reported deaths coincides with rollout of vaccination program.</a:t>
+            </a:r>
+          </a:p>
+          <a:p>
+            <a:pPr marL="285750" indent="-285750">
+              <a:buFontTx/>
+              <a:buChar char="-"/>
+            </a:pPr>
+            <a:r>
+              <a:rPr lang="en-GB" sz="1300" dirty="0">
+                <a:solidFill>
+                  <a:schemeClr val="tx1"/>
+                </a:solidFill>
+              </a:rPr>
+              <a:t>Highest ratio reported recovered/ reported cases in Falklands (91.3%) and Turks (83.6%), followed by Gibraltar (81.5%) and Virgin Islands (70.23%). To consider when planning for the marketing campaign.</a:t>
+            </a:r>
+          </a:p>
+          <a:p>
+            <a:pPr marL="285750" indent="-285750">
+              <a:buFontTx/>
+              <a:buChar char="-"/>
+            </a:pPr>
+            <a:r>
+              <a:rPr lang="en-GB" sz="1300" dirty="0">
+                <a:solidFill>
+                  <a:schemeClr val="tx1"/>
+                </a:solidFill>
+              </a:rPr>
+              <a:t>Declining trend on hospitalisation from peak January 2021 while trends reverses with increase of reported recovered from the same date. To consider possible relation with vaccine rollout program.</a:t>
+            </a:r>
+          </a:p>
+          <a:p>
+            <a:pPr marL="285750" indent="-285750">
+              <a:buFontTx/>
+              <a:buChar char="-"/>
+            </a:pPr>
+            <a:r>
+              <a:rPr lang="en-GB" sz="1300" dirty="0">
+                <a:solidFill>
+                  <a:schemeClr val="tx1"/>
+                </a:solidFill>
+              </a:rPr>
+              <a:t>Only 0.8% of a total of 13,336 #coronavirus tweets analysed have hashtags #vacc-. Possible opportunity to research, moving forward with the marketing campaign, more popular  COVID-related hashtags to be associated with (i.e. #COVID19 with 1,632 mentions)</a:t>
+            </a:r>
+          </a:p>
+          <a:p>
+            <a:pPr marL="285750" indent="-285750">
+              <a:buFontTx/>
+              <a:buChar char="-"/>
+            </a:pPr>
+            <a:r>
+              <a:rPr lang="en-GB" sz="1300" dirty="0">
+                <a:solidFill>
+                  <a:schemeClr val="tx1"/>
+                </a:solidFill>
+              </a:rPr>
+              <a:t>Moving average (MA) techniques can really help with forecasting and visualisation of data trends. Key feature is being able to estimate the error in a possible future prediction.</a:t>
+            </a:r>
+          </a:p>
+          <a:p>
+            <a:endParaRPr lang="en-GB" sz="1300" dirty="0">
+              <a:solidFill>
+                <a:schemeClr val="tx1"/>
+              </a:solidFill>
+            </a:endParaRPr>
+          </a:p>
+          <a:p>
+            <a:r>
+              <a:rPr lang="en-GB" sz="1300" b="1" dirty="0">
+                <a:solidFill>
+                  <a:schemeClr val="tx1"/>
+                </a:solidFill>
+              </a:rPr>
+              <a:t>ADVICE FOR TEAM &amp; STAKEHOLDERS: Always important to keep an eye on data quality, understanding data shape &amp; data types at all times and looking for:</a:t>
+            </a:r>
+            <a:endParaRPr lang="en-GB" sz="1300" dirty="0">
+              <a:solidFill>
+                <a:schemeClr val="tx1"/>
+              </a:solidFill>
+            </a:endParaRPr>
+          </a:p>
+          <a:p>
+            <a:endParaRPr lang="en-GB" sz="1300" dirty="0">
+              <a:solidFill>
+                <a:schemeClr val="tx1"/>
+              </a:solidFill>
+            </a:endParaRPr>
+          </a:p>
+          <a:p>
+            <a:pPr marL="800100" lvl="1" indent="-342900">
+              <a:buAutoNum type="arabicPeriod"/>
+            </a:pPr>
+            <a:r>
+              <a:rPr lang="en-GB" sz="1300" dirty="0">
+                <a:solidFill>
+                  <a:schemeClr val="tx1"/>
+                </a:solidFill>
+              </a:rPr>
+              <a:t>Data types</a:t>
+            </a:r>
+          </a:p>
+          <a:p>
+            <a:pPr marL="800100" lvl="1" indent="-342900">
+              <a:buAutoNum type="arabicPeriod"/>
+            </a:pPr>
+            <a:r>
+              <a:rPr lang="en-GB" sz="1300" dirty="0">
+                <a:solidFill>
+                  <a:schemeClr val="tx1"/>
+                </a:solidFill>
+              </a:rPr>
+              <a:t>Inconsistencies in column names</a:t>
+            </a:r>
+          </a:p>
+          <a:p>
+            <a:pPr marL="800100" lvl="1" indent="-342900">
+              <a:buAutoNum type="arabicPeriod"/>
+            </a:pPr>
+            <a:r>
+              <a:rPr lang="en-GB" sz="1300" dirty="0">
+                <a:solidFill>
+                  <a:schemeClr val="tx1"/>
+                </a:solidFill>
+              </a:rPr>
+              <a:t>Possible duplicate entries</a:t>
+            </a:r>
+          </a:p>
+          <a:p>
+            <a:pPr marL="800100" lvl="1" indent="-342900">
+              <a:buAutoNum type="arabicPeriod"/>
+            </a:pPr>
+            <a:r>
+              <a:rPr lang="en-GB" sz="1300" dirty="0">
+                <a:solidFill>
+                  <a:schemeClr val="tx1"/>
+                </a:solidFill>
+              </a:rPr>
+              <a:t>Inconsistent data entry &amp; spelling</a:t>
+            </a:r>
+          </a:p>
+          <a:p>
+            <a:pPr marL="800100" lvl="1" indent="-342900">
+              <a:buAutoNum type="arabicPeriod"/>
+            </a:pPr>
+            <a:r>
+              <a:rPr lang="en-GB" sz="1300" dirty="0">
+                <a:solidFill>
+                  <a:schemeClr val="tx1"/>
+                </a:solidFill>
+              </a:rPr>
+              <a:t>Start looking for possible outliers with the .describe() method)</a:t>
+            </a:r>
+          </a:p>
+          <a:p>
+            <a:pPr marL="800100" lvl="1" indent="-342900">
+              <a:buAutoNum type="arabicPeriod"/>
+            </a:pPr>
+            <a:r>
+              <a:rPr lang="en-GB" sz="1300" dirty="0">
+                <a:solidFill>
+                  <a:schemeClr val="tx1"/>
+                </a:solidFill>
+              </a:rPr>
+              <a:t>Ways to improve code quality (PEP8 Style Guide)</a:t>
+            </a:r>
+          </a:p>
+        </p:txBody>
+      </p:sp>
+      <p:sp>
+        <p:nvSpPr>
+          <p:cNvPr id="9" name="Rectangle 8">
+            <a:extLst>
+              <a:ext uri="{FF2B5EF4-FFF2-40B4-BE49-F238E27FC236}">
+                <a16:creationId xmlns:a16="http://schemas.microsoft.com/office/drawing/2014/main" id="{A2FBDD83-ACA1-6A9F-2E9C-833BD0B0065D}"/>
+              </a:ext>
+            </a:extLst>
+          </p:cNvPr>
+          <p:cNvSpPr/>
+          <p:nvPr/>
+        </p:nvSpPr>
+        <p:spPr>
+          <a:xfrm>
+            <a:off x="2708030" y="125904"/>
+            <a:ext cx="6198464" cy="5859168"/>
+          </a:xfrm>
+          <a:prstGeom prst="rect">
+            <a:avLst/>
+          </a:prstGeom>
+        </p:spPr>
+        <p:txBody>
+          <a:bodyPr wrap="square">
+            <a:spAutoFit/>
+          </a:bodyPr>
+          <a:lstStyle/>
+          <a:p>
+            <a:pPr marL="228600" algn="ctr">
+              <a:lnSpc>
+                <a:spcPct val="150000"/>
+              </a:lnSpc>
+            </a:pPr>
+            <a:r>
+              <a:rPr lang="en-US" i="1" u="sng" dirty="0">
+                <a:latin typeface="Arial" panose="020B0604020202020204" pitchFamily="34" charset="0"/>
+                <a:ea typeface="Times New Roman" panose="02020603050405020304" pitchFamily="18" charset="0"/>
+              </a:rPr>
+              <a:t>Figure 2.18:</a:t>
+            </a:r>
+            <a:r>
+              <a:rPr lang="en-US" i="1" dirty="0">
+                <a:latin typeface="Arial" panose="020B0604020202020204" pitchFamily="34" charset="0"/>
+                <a:ea typeface="Times New Roman" panose="02020603050405020304" pitchFamily="18" charset="0"/>
+              </a:rPr>
+              <a:t> Further findings and insights</a:t>
+            </a:r>
+            <a:endParaRPr lang="en-GB" sz="2800" dirty="0">
+              <a:latin typeface="Times New Roman" panose="02020603050405020304" pitchFamily="18" charset="0"/>
+              <a:ea typeface="Times New Roman" panose="02020603050405020304" pitchFamily="18" charset="0"/>
+            </a:endParaRPr>
+          </a:p>
+          <a:p>
+            <a:pPr algn="ctr">
+              <a:lnSpc>
+                <a:spcPct val="150000"/>
+              </a:lnSpc>
+            </a:pPr>
+            <a:endParaRPr lang="en-US" i="1" dirty="0">
+              <a:latin typeface="Arial" panose="020B0604020202020204" pitchFamily="34" charset="0"/>
+              <a:ea typeface="Times New Roman" panose="02020603050405020304" pitchFamily="18" charset="0"/>
+            </a:endParaRPr>
+          </a:p>
+          <a:p>
+            <a:pPr algn="ctr">
+              <a:lnSpc>
+                <a:spcPct val="150000"/>
+              </a:lnSpc>
+            </a:pPr>
+            <a:endParaRPr lang="en-US" i="1" dirty="0">
+              <a:latin typeface="Arial" panose="020B0604020202020204" pitchFamily="34" charset="0"/>
+              <a:ea typeface="Times New Roman" panose="02020603050405020304" pitchFamily="18" charset="0"/>
+            </a:endParaRPr>
+          </a:p>
+          <a:p>
+            <a:pPr algn="ctr">
+              <a:lnSpc>
+                <a:spcPct val="150000"/>
+              </a:lnSpc>
+            </a:pPr>
+            <a:endParaRPr lang="en-US" i="1" dirty="0">
+              <a:latin typeface="Arial" panose="020B0604020202020204" pitchFamily="34" charset="0"/>
+              <a:ea typeface="Times New Roman" panose="02020603050405020304" pitchFamily="18" charset="0"/>
+            </a:endParaRPr>
+          </a:p>
+          <a:p>
+            <a:pPr algn="ctr">
+              <a:lnSpc>
+                <a:spcPct val="150000"/>
+              </a:lnSpc>
+            </a:pPr>
+            <a:endParaRPr lang="en-US" i="1" dirty="0">
+              <a:latin typeface="Arial" panose="020B0604020202020204" pitchFamily="34" charset="0"/>
+              <a:ea typeface="Times New Roman" panose="02020603050405020304" pitchFamily="18" charset="0"/>
+            </a:endParaRPr>
+          </a:p>
+          <a:p>
+            <a:pPr algn="ctr">
+              <a:lnSpc>
+                <a:spcPct val="150000"/>
+              </a:lnSpc>
+            </a:pPr>
+            <a:endParaRPr lang="en-US" i="1" dirty="0">
+              <a:latin typeface="Arial" panose="020B0604020202020204" pitchFamily="34" charset="0"/>
+              <a:ea typeface="Times New Roman" panose="02020603050405020304" pitchFamily="18" charset="0"/>
+            </a:endParaRPr>
+          </a:p>
+          <a:p>
+            <a:pPr algn="ctr">
+              <a:lnSpc>
+                <a:spcPct val="150000"/>
+              </a:lnSpc>
+            </a:pPr>
+            <a:endParaRPr lang="en-US" i="1" dirty="0">
+              <a:latin typeface="Arial" panose="020B0604020202020204" pitchFamily="34" charset="0"/>
+              <a:ea typeface="Times New Roman" panose="02020603050405020304" pitchFamily="18" charset="0"/>
+            </a:endParaRPr>
+          </a:p>
+          <a:p>
+            <a:pPr algn="ctr">
+              <a:lnSpc>
+                <a:spcPct val="150000"/>
+              </a:lnSpc>
+            </a:pPr>
+            <a:endParaRPr lang="en-US" i="1" dirty="0">
+              <a:latin typeface="Arial" panose="020B0604020202020204" pitchFamily="34" charset="0"/>
+              <a:ea typeface="Times New Roman" panose="02020603050405020304" pitchFamily="18" charset="0"/>
+            </a:endParaRPr>
+          </a:p>
+          <a:p>
+            <a:pPr algn="ctr">
+              <a:lnSpc>
+                <a:spcPct val="150000"/>
+              </a:lnSpc>
+            </a:pPr>
+            <a:endParaRPr lang="en-US" i="1" dirty="0">
+              <a:latin typeface="Arial" panose="020B0604020202020204" pitchFamily="34" charset="0"/>
+              <a:ea typeface="Times New Roman" panose="02020603050405020304" pitchFamily="18" charset="0"/>
+            </a:endParaRPr>
+          </a:p>
+          <a:p>
+            <a:pPr algn="ctr">
+              <a:lnSpc>
+                <a:spcPct val="150000"/>
+              </a:lnSpc>
+            </a:pPr>
+            <a:endParaRPr lang="en-US" i="1" dirty="0">
+              <a:latin typeface="Arial" panose="020B0604020202020204" pitchFamily="34" charset="0"/>
+              <a:ea typeface="Times New Roman" panose="02020603050405020304" pitchFamily="18" charset="0"/>
+            </a:endParaRPr>
+          </a:p>
+          <a:p>
+            <a:pPr algn="ctr">
+              <a:lnSpc>
+                <a:spcPct val="150000"/>
+              </a:lnSpc>
+            </a:pPr>
+            <a:endParaRPr lang="en-US" i="1" dirty="0">
+              <a:latin typeface="Arial" panose="020B0604020202020204" pitchFamily="34" charset="0"/>
+              <a:ea typeface="Times New Roman" panose="02020603050405020304" pitchFamily="18" charset="0"/>
+            </a:endParaRPr>
+          </a:p>
+          <a:p>
+            <a:pPr algn="ctr">
+              <a:lnSpc>
+                <a:spcPct val="150000"/>
+              </a:lnSpc>
+            </a:pPr>
+            <a:endParaRPr lang="en-US" i="1" dirty="0">
+              <a:latin typeface="Arial" panose="020B0604020202020204" pitchFamily="34" charset="0"/>
+              <a:ea typeface="Times New Roman" panose="02020603050405020304" pitchFamily="18" charset="0"/>
+            </a:endParaRPr>
+          </a:p>
+          <a:p>
+            <a:pPr algn="ctr">
+              <a:lnSpc>
+                <a:spcPct val="150000"/>
+              </a:lnSpc>
+            </a:pPr>
+            <a:endParaRPr lang="en-US" i="1" dirty="0">
+              <a:latin typeface="Arial" panose="020B0604020202020204" pitchFamily="34" charset="0"/>
+              <a:ea typeface="Times New Roman" panose="02020603050405020304" pitchFamily="18" charset="0"/>
+            </a:endParaRPr>
+          </a:p>
+          <a:p>
+            <a:pPr algn="ctr">
+              <a:lnSpc>
+                <a:spcPct val="150000"/>
+              </a:lnSpc>
+            </a:pPr>
+            <a:r>
+              <a:rPr lang="en-US" i="1" dirty="0">
+                <a:latin typeface="Arial" panose="020B0604020202020204" pitchFamily="34" charset="0"/>
+                <a:ea typeface="Times New Roman" panose="02020603050405020304" pitchFamily="18" charset="0"/>
+              </a:rPr>
+              <a:t>Source: Javier Conde (2022)</a:t>
+            </a:r>
+            <a:endParaRPr lang="en-GB" sz="2800" dirty="0">
+              <a:effectLst/>
+              <a:latin typeface="Times New Roman" panose="02020603050405020304" pitchFamily="18" charset="0"/>
+              <a:ea typeface="Times New Roman" panose="02020603050405020304" pitchFamily="18" charset="0"/>
+            </a:endParaRPr>
+          </a:p>
+        </p:txBody>
+      </p:sp>
+      <p:sp>
+        <p:nvSpPr>
+          <p:cNvPr id="3" name="TextBox 2">
+            <a:extLst>
+              <a:ext uri="{FF2B5EF4-FFF2-40B4-BE49-F238E27FC236}">
+                <a16:creationId xmlns:a16="http://schemas.microsoft.com/office/drawing/2014/main" id="{31D68516-3258-B4DB-1C1E-7A1F4A27E981}"/>
+              </a:ext>
+            </a:extLst>
+          </p:cNvPr>
+          <p:cNvSpPr txBox="1"/>
+          <p:nvPr/>
+        </p:nvSpPr>
+        <p:spPr>
+          <a:xfrm>
+            <a:off x="13179552" y="463296"/>
+            <a:ext cx="0" cy="0"/>
+          </a:xfrm>
+          <a:prstGeom prst="rect">
+            <a:avLst/>
+          </a:prstGeom>
+          <a:noFill/>
+        </p:spPr>
+        <p:txBody>
+          <a:bodyPr wrap="none" lIns="0" tIns="0" rIns="0" bIns="0" rtlCol="0" anchor="t" anchorCtr="0">
+            <a:noAutofit/>
+          </a:bodyPr>
+          <a:lstStyle/>
+          <a:p>
+            <a:pPr algn="l"/>
+            <a:endParaRPr lang="en-ES" sz="2400" dirty="0"/>
+          </a:p>
+        </p:txBody>
+      </p:sp>
+    </p:spTree>
+    <p:extLst>
+      <p:ext uri="{BB962C8B-B14F-4D97-AF65-F5344CB8AC3E}">
+        <p14:creationId xmlns:p14="http://schemas.microsoft.com/office/powerpoint/2010/main" val="2722683631"/>
+      </p:ext>
+    </p:extLst>
+  </p:cSld>
+  <p:clrMapOvr>
+    <a:masterClrMapping/>
+  </p:clrMapOvr>
+</p:sld>
+</file>
+
+<file path=ppt/slides/slide23.xml><?xml version="1.0" encoding="utf-8"?>
+<p:sld xmlns:a="http://schemas.openxmlformats.org/drawingml/2006/main" xmlns:r="http://schemas.openxmlformats.org/officeDocument/2006/relationships" xmlns:p="http://schemas.openxmlformats.org/presentationml/2006/main">
+  <p:cSld>
+    <p:spTree>
+      <p:nvGrpSpPr>
+        <p:cNvPr id="1" name=""/>
+        <p:cNvGrpSpPr/>
+        <p:nvPr/>
+      </p:nvGrpSpPr>
+      <p:grpSpPr>
+        <a:xfrm>
+          <a:off x="0" y="0"/>
+          <a:ext cx="0" cy="0"/>
+          <a:chOff x="0" y="0"/>
+          <a:chExt cx="0" cy="0"/>
+        </a:xfrm>
+      </p:grpSpPr>
+      <p:sp>
+        <p:nvSpPr>
+          <p:cNvPr id="2" name="Rectangle 1">
+            <a:extLst>
+              <a:ext uri="{FF2B5EF4-FFF2-40B4-BE49-F238E27FC236}">
+                <a16:creationId xmlns:a16="http://schemas.microsoft.com/office/drawing/2014/main" id="{A2FAE096-CFD9-944F-98F4-56417B68B0BF}"/>
+              </a:ext>
+            </a:extLst>
+          </p:cNvPr>
+          <p:cNvSpPr/>
+          <p:nvPr/>
+        </p:nvSpPr>
+        <p:spPr>
+          <a:xfrm>
+            <a:off x="350196" y="6177872"/>
+            <a:ext cx="2529191" cy="554223"/>
+          </a:xfrm>
+          <a:prstGeom prst="rect">
+            <a:avLst/>
+          </a:prstGeom>
+          <a:solidFill>
+            <a:srgbClr val="F2F2F2"/>
+          </a:solidFill>
+          <a:ln>
+            <a:noFill/>
+          </a:ln>
+        </p:spPr>
+        <p:style>
+          <a:lnRef idx="2">
+            <a:schemeClr val="accent1">
+              <a:shade val="50000"/>
+            </a:schemeClr>
+          </a:lnRef>
+          <a:fillRef idx="1">
+            <a:schemeClr val="accent1"/>
+          </a:fillRef>
+          <a:effectRef idx="0">
+            <a:schemeClr val="accent1"/>
+          </a:effectRef>
+          <a:fontRef idx="minor">
+            <a:schemeClr val="lt1"/>
+          </a:fontRef>
+        </p:style>
+        <p:txBody>
+          <a:bodyPr rtlCol="0" anchor="ctr"/>
+          <a:lstStyle/>
+          <a:p>
+            <a:pPr algn="ctr"/>
+            <a:endParaRPr lang="en-GB" dirty="0"/>
+          </a:p>
+        </p:txBody>
+      </p:sp>
+      <p:pic>
+        <p:nvPicPr>
+          <p:cNvPr id="11" name="Picture 10" descr="Shape, circle&#10;&#10;Description automatically generated">
+            <a:extLst>
+              <a:ext uri="{FF2B5EF4-FFF2-40B4-BE49-F238E27FC236}">
+                <a16:creationId xmlns:a16="http://schemas.microsoft.com/office/drawing/2014/main" id="{12FE384A-7C07-7741-92CA-330981D6DE3A}"/>
+              </a:ext>
+            </a:extLst>
+          </p:cNvPr>
+          <p:cNvPicPr>
+            <a:picLocks noChangeAspect="1"/>
+          </p:cNvPicPr>
+          <p:nvPr/>
+        </p:nvPicPr>
+        <p:blipFill>
+          <a:blip r:embed="rId2"/>
+          <a:stretch>
+            <a:fillRect/>
+          </a:stretch>
+        </p:blipFill>
+        <p:spPr>
+          <a:xfrm>
+            <a:off x="535697" y="6135586"/>
+            <a:ext cx="560069" cy="554223"/>
+          </a:xfrm>
+          <a:prstGeom prst="rect">
+            <a:avLst/>
+          </a:prstGeom>
+        </p:spPr>
+      </p:pic>
+      <p:sp>
+        <p:nvSpPr>
+          <p:cNvPr id="5" name="Rectangle 4">
+            <a:extLst>
+              <a:ext uri="{FF2B5EF4-FFF2-40B4-BE49-F238E27FC236}">
+                <a16:creationId xmlns:a16="http://schemas.microsoft.com/office/drawing/2014/main" id="{29CB2FA8-952D-9541-A292-0284FD0C36F0}"/>
+              </a:ext>
+            </a:extLst>
+          </p:cNvPr>
+          <p:cNvSpPr/>
+          <p:nvPr/>
+        </p:nvSpPr>
+        <p:spPr>
+          <a:xfrm>
+            <a:off x="350196" y="6135586"/>
+            <a:ext cx="927761" cy="596509"/>
+          </a:xfrm>
+          <a:prstGeom prst="rect">
+            <a:avLst/>
+          </a:prstGeom>
+          <a:solidFill>
+            <a:srgbClr val="F2F2F2"/>
+          </a:solidFill>
+          <a:ln>
+            <a:noFill/>
+          </a:ln>
+        </p:spPr>
+        <p:style>
+          <a:lnRef idx="2">
+            <a:schemeClr val="accent1">
+              <a:shade val="50000"/>
+            </a:schemeClr>
+          </a:lnRef>
+          <a:fillRef idx="1">
+            <a:schemeClr val="accent1"/>
+          </a:fillRef>
+          <a:effectRef idx="0">
+            <a:schemeClr val="accent1"/>
+          </a:effectRef>
+          <a:fontRef idx="minor">
+            <a:schemeClr val="lt1"/>
+          </a:fontRef>
+        </p:style>
+        <p:txBody>
+          <a:bodyPr rtlCol="0" anchor="ctr"/>
+          <a:lstStyle/>
+          <a:p>
+            <a:pPr algn="ctr"/>
+            <a:endParaRPr lang="en-US" dirty="0"/>
+          </a:p>
+        </p:txBody>
+      </p:sp>
+      <p:sp>
+        <p:nvSpPr>
+          <p:cNvPr id="6" name="Subtitle 2">
+            <a:extLst>
+              <a:ext uri="{FF2B5EF4-FFF2-40B4-BE49-F238E27FC236}">
+                <a16:creationId xmlns:a16="http://schemas.microsoft.com/office/drawing/2014/main" id="{F12820C7-E714-A649-8C99-9FD449994DD3}"/>
+              </a:ext>
+            </a:extLst>
+          </p:cNvPr>
+          <p:cNvSpPr txBox="1">
+            <a:spLocks/>
+          </p:cNvSpPr>
+          <p:nvPr/>
+        </p:nvSpPr>
+        <p:spPr>
+          <a:xfrm>
+            <a:off x="424019" y="6135586"/>
+            <a:ext cx="11232284" cy="971700"/>
+          </a:xfrm>
+          <a:prstGeom prst="rect">
+            <a:avLst/>
+          </a:prstGeom>
+        </p:spPr>
+        <p:txBody>
+          <a:bodyPr vert="horz" lIns="0" tIns="0" rIns="0" bIns="0" rtlCol="0" anchor="t">
+            <a:noAutofit/>
+          </a:bodyPr>
+          <a:lstStyle>
+            <a:lvl1pPr marL="432000" indent="-432000" algn="l" defTabSz="126000" rtl="0" eaLnBrk="1" latinLnBrk="0" hangingPunct="1">
+              <a:lnSpc>
+                <a:spcPct val="110000"/>
+              </a:lnSpc>
+              <a:spcBef>
+                <a:spcPts val="0"/>
+              </a:spcBef>
+              <a:spcAft>
+                <a:spcPts val="1200"/>
+              </a:spcAft>
+              <a:buClr>
+                <a:schemeClr val="tx1"/>
+              </a:buClr>
+              <a:buSzPct val="80000"/>
+              <a:buFont typeface="Wingdings 2" panose="05020102010507070707" pitchFamily="18" charset="2"/>
+              <a:buChar char="¢"/>
+              <a:tabLst/>
+              <a:defRPr sz="2400" kern="1200" spc="-10" baseline="0">
+                <a:solidFill>
+                  <a:schemeClr val="tx1"/>
+                </a:solidFill>
+                <a:latin typeface="+mn-lt"/>
+                <a:ea typeface="+mn-ea"/>
+                <a:cs typeface="+mn-cs"/>
+              </a:defRPr>
+            </a:lvl1pPr>
+            <a:lvl2pPr marL="864000" indent="-432000" algn="l" defTabSz="126000" rtl="0" eaLnBrk="1" latinLnBrk="0" hangingPunct="1">
+              <a:lnSpc>
+                <a:spcPct val="110000"/>
+              </a:lnSpc>
+              <a:spcBef>
+                <a:spcPts val="0"/>
+              </a:spcBef>
+              <a:spcAft>
+                <a:spcPts val="1000"/>
+              </a:spcAft>
+              <a:buClr>
+                <a:schemeClr val="tx1"/>
+              </a:buClr>
+              <a:buSzPct val="80000"/>
+              <a:buFont typeface="Wingdings 2" panose="05020102010507070707" pitchFamily="18" charset="2"/>
+              <a:buChar char=""/>
+              <a:tabLst>
+                <a:tab pos="126000" algn="l"/>
+              </a:tabLst>
+              <a:defRPr sz="2400" kern="1200" spc="-10" baseline="0">
+                <a:solidFill>
+                  <a:schemeClr val="tx1"/>
+                </a:solidFill>
+                <a:latin typeface="+mn-lt"/>
+                <a:ea typeface="+mn-ea"/>
+                <a:cs typeface="+mn-cs"/>
+              </a:defRPr>
+            </a:lvl2pPr>
+            <a:lvl3pPr marL="864000" indent="-432000" algn="l" defTabSz="126000" rtl="0" eaLnBrk="1" latinLnBrk="0" hangingPunct="1">
+              <a:lnSpc>
+                <a:spcPct val="110000"/>
+              </a:lnSpc>
+              <a:spcBef>
+                <a:spcPts val="0"/>
+              </a:spcBef>
+              <a:spcAft>
+                <a:spcPts val="1000"/>
+              </a:spcAft>
+              <a:buClrTx/>
+              <a:buSzPct val="80000"/>
+              <a:buFont typeface="Wingdings 2" panose="05020102010507070707" pitchFamily="18" charset="2"/>
+              <a:buChar char=""/>
+              <a:tabLst>
+                <a:tab pos="126000" algn="l"/>
+              </a:tabLst>
+              <a:defRPr sz="2400" kern="1200" spc="-10" baseline="0">
+                <a:solidFill>
+                  <a:schemeClr val="tx1"/>
+                </a:solidFill>
+                <a:latin typeface="+mn-lt"/>
+                <a:ea typeface="+mn-ea"/>
+                <a:cs typeface="+mn-cs"/>
+              </a:defRPr>
+            </a:lvl3pPr>
+            <a:lvl4pPr marL="432000" indent="-432000" algn="l" defTabSz="126000" rtl="0" eaLnBrk="1" latinLnBrk="0" hangingPunct="1">
+              <a:lnSpc>
+                <a:spcPct val="110000"/>
+              </a:lnSpc>
+              <a:spcBef>
+                <a:spcPts val="0"/>
+              </a:spcBef>
+              <a:spcAft>
+                <a:spcPts val="0"/>
+              </a:spcAft>
+              <a:buClr>
+                <a:schemeClr val="tx1"/>
+              </a:buClr>
+              <a:buSzPct val="80000"/>
+              <a:buFont typeface="Wingdings 2" panose="05020102010507070707" pitchFamily="18" charset="2"/>
+              <a:buChar char="¢"/>
+              <a:tabLst/>
+              <a:defRPr sz="2400" kern="1200" spc="-10" baseline="0">
+                <a:solidFill>
+                  <a:schemeClr val="tx1"/>
+                </a:solidFill>
+                <a:latin typeface="+mn-lt"/>
+                <a:ea typeface="+mn-ea"/>
+                <a:cs typeface="+mn-cs"/>
+              </a:defRPr>
+            </a:lvl4pPr>
+            <a:lvl5pPr marL="864000" indent="-432000" algn="l" defTabSz="126000" rtl="0" eaLnBrk="1" latinLnBrk="0" hangingPunct="1">
+              <a:lnSpc>
+                <a:spcPct val="110000"/>
+              </a:lnSpc>
+              <a:spcBef>
+                <a:spcPts val="0"/>
+              </a:spcBef>
+              <a:spcAft>
+                <a:spcPts val="0"/>
+              </a:spcAft>
+              <a:buClr>
+                <a:schemeClr val="tx1"/>
+              </a:buClr>
+              <a:buSzPct val="80000"/>
+              <a:buFont typeface="Wingdings 2" panose="05020102010507070707" pitchFamily="18" charset="2"/>
+              <a:buChar char="¢"/>
+              <a:tabLst>
+                <a:tab pos="126000" algn="l"/>
+              </a:tabLst>
+              <a:defRPr sz="2400" kern="1200" spc="-10" baseline="0">
+                <a:solidFill>
+                  <a:schemeClr val="tx1"/>
+                </a:solidFill>
+                <a:latin typeface="+mn-lt"/>
+                <a:ea typeface="+mn-ea"/>
+                <a:cs typeface="+mn-cs"/>
+              </a:defRPr>
+            </a:lvl5pPr>
+            <a:lvl6pPr marL="864000" indent="-432000" algn="l" defTabSz="126000" rtl="0" eaLnBrk="1" latinLnBrk="0" hangingPunct="1">
+              <a:lnSpc>
+                <a:spcPct val="110000"/>
+              </a:lnSpc>
+              <a:spcBef>
+                <a:spcPts val="0"/>
+              </a:spcBef>
+              <a:spcAft>
+                <a:spcPts val="0"/>
+              </a:spcAft>
+              <a:buClr>
+                <a:schemeClr val="tx1"/>
+              </a:buClr>
+              <a:buSzPct val="80000"/>
+              <a:buFont typeface="Wingdings 2" panose="05020102010507070707" pitchFamily="18" charset="2"/>
+              <a:buChar char="£"/>
+              <a:tabLst>
+                <a:tab pos="126000" algn="l"/>
+              </a:tabLst>
+              <a:defRPr sz="2400" kern="1200" spc="-10" baseline="0">
+                <a:solidFill>
+                  <a:schemeClr val="tx1"/>
+                </a:solidFill>
+                <a:latin typeface="+mn-lt"/>
+                <a:ea typeface="+mn-ea"/>
+                <a:cs typeface="+mn-cs"/>
+              </a:defRPr>
+            </a:lvl6pPr>
+            <a:lvl7pPr marL="432000" indent="-432000" algn="l" defTabSz="126000" rtl="0" eaLnBrk="1" latinLnBrk="0" hangingPunct="1">
+              <a:lnSpc>
+                <a:spcPct val="110000"/>
+              </a:lnSpc>
+              <a:spcBef>
+                <a:spcPts val="0"/>
+              </a:spcBef>
+              <a:buFont typeface="+mj-lt"/>
+              <a:buAutoNum type="arabicPeriod"/>
+              <a:tabLst>
+                <a:tab pos="126000" algn="l"/>
+              </a:tabLst>
+              <a:defRPr sz="2400" kern="1200" spc="-10" baseline="0">
+                <a:solidFill>
+                  <a:schemeClr val="tx1"/>
+                </a:solidFill>
+                <a:latin typeface="+mn-lt"/>
+                <a:ea typeface="+mn-ea"/>
+                <a:cs typeface="+mn-cs"/>
+              </a:defRPr>
+            </a:lvl7pPr>
+            <a:lvl8pPr marL="0" indent="0" algn="l" defTabSz="126000" rtl="0" eaLnBrk="1" latinLnBrk="0" hangingPunct="1">
+              <a:lnSpc>
+                <a:spcPct val="110000"/>
+              </a:lnSpc>
+              <a:spcBef>
+                <a:spcPts val="0"/>
+              </a:spcBef>
+              <a:buFont typeface="Arial" panose="020B0604020202020204" pitchFamily="34" charset="0"/>
+              <a:buNone/>
+              <a:tabLst>
+                <a:tab pos="126000" algn="l"/>
+              </a:tabLst>
+              <a:defRPr sz="2400" b="1" kern="1200" spc="-10" baseline="0">
+                <a:solidFill>
+                  <a:schemeClr val="tx1"/>
+                </a:solidFill>
+                <a:latin typeface="+mn-lt"/>
+                <a:ea typeface="+mn-ea"/>
+                <a:cs typeface="+mn-cs"/>
+              </a:defRPr>
+            </a:lvl8pPr>
+            <a:lvl9pPr marL="0" indent="0" algn="l" defTabSz="126000" rtl="0" eaLnBrk="1" latinLnBrk="0" hangingPunct="1">
+              <a:lnSpc>
+                <a:spcPct val="110000"/>
+              </a:lnSpc>
+              <a:spcBef>
+                <a:spcPts val="0"/>
+              </a:spcBef>
+              <a:buFont typeface="Arial" panose="020B0604020202020204" pitchFamily="34" charset="0"/>
+              <a:buNone/>
+              <a:tabLst>
+                <a:tab pos="126000" algn="l"/>
+              </a:tabLst>
+              <a:defRPr sz="2400" kern="1200" spc="-10" baseline="0">
+                <a:solidFill>
+                  <a:schemeClr val="tx1"/>
+                </a:solidFill>
+                <a:latin typeface="+mn-lt"/>
+                <a:ea typeface="+mn-ea"/>
+                <a:cs typeface="+mn-cs"/>
+              </a:defRPr>
+            </a:lvl9pPr>
+          </a:lstStyle>
+          <a:p>
+            <a:pPr marL="0" indent="0">
+              <a:buNone/>
+            </a:pPr>
+            <a:r>
+              <a:rPr lang="en-GB" sz="1600" i="1" dirty="0"/>
               <a:t>Javier Conde | 11</a:t>
             </a:r>
             <a:r>
@@ -21602,6 +22576,180 @@
               <a:latin typeface="Times New Roman" panose="02020603050405020304" pitchFamily="18" charset="0"/>
               <a:ea typeface="Times New Roman" panose="02020603050405020304" pitchFamily="18" charset="0"/>
             </a:endParaRPr>
+          </a:p>
+        </p:txBody>
+      </p:sp>
+      <p:pic>
+        <p:nvPicPr>
+          <p:cNvPr id="8" name="Picture 7" descr="Text, letter&#10;&#10;Description automatically generated">
+            <a:extLst>
+              <a:ext uri="{FF2B5EF4-FFF2-40B4-BE49-F238E27FC236}">
+                <a16:creationId xmlns:a16="http://schemas.microsoft.com/office/drawing/2014/main" id="{16844655-F4B6-FA45-F407-D3144DC07803}"/>
+              </a:ext>
+            </a:extLst>
+          </p:cNvPr>
+          <p:cNvPicPr>
+            <a:picLocks noChangeAspect="1"/>
+          </p:cNvPicPr>
+          <p:nvPr/>
+        </p:nvPicPr>
+        <p:blipFill>
+          <a:blip r:embed="rId3">
+            <a:extLst>
+              <a:ext uri="{28A0092B-C50C-407E-A947-70E740481C1C}">
+                <a14:useLocalDpi xmlns:a14="http://schemas.microsoft.com/office/drawing/2010/main" val="0"/>
+              </a:ext>
+            </a:extLst>
+          </a:blip>
+          <a:stretch>
+            <a:fillRect/>
+          </a:stretch>
+        </p:blipFill>
+        <p:spPr>
+          <a:xfrm>
+            <a:off x="3571313" y="118753"/>
+            <a:ext cx="5049374" cy="5643418"/>
+          </a:xfrm>
+          <a:prstGeom prst="rect">
+            <a:avLst/>
+          </a:prstGeom>
+        </p:spPr>
+      </p:pic>
+      <p:sp>
+        <p:nvSpPr>
+          <p:cNvPr id="10" name="Right Arrow 9">
+            <a:extLst>
+              <a:ext uri="{FF2B5EF4-FFF2-40B4-BE49-F238E27FC236}">
+                <a16:creationId xmlns:a16="http://schemas.microsoft.com/office/drawing/2014/main" id="{09DA0DC0-DD6F-FFEB-6E0B-DE5A0BF6BB5D}"/>
+              </a:ext>
+            </a:extLst>
+          </p:cNvPr>
+          <p:cNvSpPr/>
+          <p:nvPr/>
+        </p:nvSpPr>
+        <p:spPr>
+          <a:xfrm>
+            <a:off x="2259547" y="612191"/>
+            <a:ext cx="1505415" cy="802887"/>
+          </a:xfrm>
+          <a:prstGeom prst="rightArrow">
+            <a:avLst/>
+          </a:prstGeom>
+        </p:spPr>
+        <p:style>
+          <a:lnRef idx="2">
+            <a:schemeClr val="accent1">
+              <a:shade val="50000"/>
+            </a:schemeClr>
+          </a:lnRef>
+          <a:fillRef idx="1">
+            <a:schemeClr val="accent1"/>
+          </a:fillRef>
+          <a:effectRef idx="0">
+            <a:schemeClr val="accent1"/>
+          </a:effectRef>
+          <a:fontRef idx="minor">
+            <a:schemeClr val="lt1"/>
+          </a:fontRef>
+        </p:style>
+        <p:txBody>
+          <a:bodyPr rtlCol="0" anchor="ctr"/>
+          <a:lstStyle/>
+          <a:p>
+            <a:pPr algn="ctr"/>
+            <a:endParaRPr lang="en-US" dirty="0"/>
+          </a:p>
+        </p:txBody>
+      </p:sp>
+      <p:sp>
+        <p:nvSpPr>
+          <p:cNvPr id="12" name="Right Arrow 11">
+            <a:extLst>
+              <a:ext uri="{FF2B5EF4-FFF2-40B4-BE49-F238E27FC236}">
+                <a16:creationId xmlns:a16="http://schemas.microsoft.com/office/drawing/2014/main" id="{48929DA8-CC77-C20B-EFE1-CE8B2E7D18F7}"/>
+              </a:ext>
+            </a:extLst>
+          </p:cNvPr>
+          <p:cNvSpPr/>
+          <p:nvPr/>
+        </p:nvSpPr>
+        <p:spPr>
+          <a:xfrm>
+            <a:off x="2259548" y="2334351"/>
+            <a:ext cx="1505415" cy="802887"/>
+          </a:xfrm>
+          <a:prstGeom prst="rightArrow">
+            <a:avLst/>
+          </a:prstGeom>
+        </p:spPr>
+        <p:style>
+          <a:lnRef idx="2">
+            <a:schemeClr val="accent1">
+              <a:shade val="50000"/>
+            </a:schemeClr>
+          </a:lnRef>
+          <a:fillRef idx="1">
+            <a:schemeClr val="accent1"/>
+          </a:fillRef>
+          <a:effectRef idx="0">
+            <a:schemeClr val="accent1"/>
+          </a:effectRef>
+          <a:fontRef idx="minor">
+            <a:schemeClr val="lt1"/>
+          </a:fontRef>
+        </p:style>
+        <p:txBody>
+          <a:bodyPr rtlCol="0" anchor="ctr"/>
+          <a:lstStyle/>
+          <a:p>
+            <a:pPr algn="ctr"/>
+            <a:endParaRPr lang="en-US" dirty="0"/>
+          </a:p>
+        </p:txBody>
+      </p:sp>
+      <p:sp>
+        <p:nvSpPr>
+          <p:cNvPr id="13" name="Right Arrow 12">
+            <a:extLst>
+              <a:ext uri="{FF2B5EF4-FFF2-40B4-BE49-F238E27FC236}">
+                <a16:creationId xmlns:a16="http://schemas.microsoft.com/office/drawing/2014/main" id="{7638DAF4-70A6-2217-C536-C169C06A6E89}"/>
+              </a:ext>
+            </a:extLst>
+          </p:cNvPr>
+          <p:cNvSpPr/>
+          <p:nvPr/>
+        </p:nvSpPr>
+        <p:spPr>
+          <a:xfrm>
+            <a:off x="2259547" y="3646817"/>
+            <a:ext cx="1505415" cy="802887"/>
+          </a:xfrm>
+          <a:prstGeom prst="rightArrow">
+            <a:avLst/>
+          </a:prstGeom>
+        </p:spPr>
+        <p:style>
+          <a:lnRef idx="2">
+            <a:schemeClr val="accent1">
+              <a:shade val="50000"/>
+            </a:schemeClr>
+          </a:lnRef>
+          <a:fillRef idx="1">
+            <a:schemeClr val="accent1"/>
+          </a:fillRef>
+          <a:effectRef idx="0">
+            <a:schemeClr val="accent1"/>
+          </a:effectRef>
+          <a:fontRef idx="minor">
+            <a:schemeClr val="lt1"/>
+          </a:fontRef>
+        </p:style>
+        <p:txBody>
+          <a:bodyPr rtlCol="0" anchor="ctr"/>
+          <a:lstStyle/>
+          <a:p>
+            <a:pPr algn="ctr"/>
+            <a:endParaRPr lang="en-US" dirty="0"/>
           </a:p>
         </p:txBody>
       </p:sp>
@@ -21618,7 +22766,7 @@
 </p:sld>
 </file>
 
-<file path=ppt/slides/slide23.xml><?xml version="1.0" encoding="utf-8"?>
+<file path=ppt/slides/slide24.xml><?xml version="1.0" encoding="utf-8"?>
 <p:sld xmlns:a="http://schemas.openxmlformats.org/drawingml/2006/main" xmlns:r="http://schemas.openxmlformats.org/officeDocument/2006/relationships" xmlns:p="http://schemas.openxmlformats.org/presentationml/2006/main">
   <p:cSld>
     <p:spTree>
@@ -27048,6 +28196,98 @@
           <a:bodyPr rtlCol="0" anchor="ctr"/>
           <a:lstStyle/>
           <a:p>
+            <a:endParaRPr lang="en-GB" sz="1300" b="1" dirty="0">
+              <a:solidFill>
+                <a:schemeClr val="tx1"/>
+              </a:solidFill>
+            </a:endParaRPr>
+          </a:p>
+          <a:p>
+            <a:r>
+              <a:rPr lang="en-GB" sz="1300" b="1" dirty="0">
+                <a:solidFill>
+                  <a:schemeClr val="tx1"/>
+                </a:solidFill>
+              </a:rPr>
+              <a:t>GENERAL FINDINGS  FROM FILE covid_19_uk_cases.csv </a:t>
+            </a:r>
+          </a:p>
+          <a:p>
+            <a:endParaRPr lang="en-GB" sz="1300" dirty="0">
+              <a:solidFill>
+                <a:schemeClr val="tx1"/>
+              </a:solidFill>
+            </a:endParaRPr>
+          </a:p>
+          <a:p>
+            <a:pPr marL="285750" indent="-285750">
+              <a:buFontTx/>
+              <a:buChar char="-"/>
+            </a:pPr>
+            <a:r>
+              <a:rPr lang="en-GB" sz="1300" dirty="0">
+                <a:solidFill>
+                  <a:schemeClr val="tx1"/>
+                </a:solidFill>
+              </a:rPr>
+              <a:t>Total numbers:</a:t>
+            </a:r>
+          </a:p>
+          <a:p>
+            <a:pPr marL="742950" lvl="1" indent="-285750">
+              <a:buFontTx/>
+              <a:buChar char="-"/>
+            </a:pPr>
+            <a:r>
+              <a:rPr lang="en-GB" sz="1300" dirty="0">
+                <a:solidFill>
+                  <a:schemeClr val="tx1"/>
+                </a:solidFill>
+              </a:rPr>
+              <a:t>44,848,345 of complete vaccination cycles, 95,5% of vaccinated with the first dose decided to go ahead with the second</a:t>
+            </a:r>
+          </a:p>
+          <a:p>
+            <a:pPr marL="742950" lvl="1" indent="-285750">
+              <a:buFontTx/>
+              <a:buChar char="-"/>
+            </a:pPr>
+            <a:r>
+              <a:rPr lang="en-GB" sz="1300" dirty="0">
+                <a:solidFill>
+                  <a:schemeClr val="tx1"/>
+                </a:solidFill>
+              </a:rPr>
+              <a:t>Total of 8,356,596 reported COVID cases in the UK, with 138,648 reported deaths COVID-related (1,6% of reported cases), 39,255 reported hospitalisations (0,5% of cases) and 25,037 reported recoveries.</a:t>
+            </a:r>
+          </a:p>
+          <a:p>
+            <a:pPr marL="742950" lvl="1" indent="-285750">
+              <a:buFontTx/>
+              <a:buChar char="-"/>
+            </a:pPr>
+            <a:r>
+              <a:rPr lang="en-GB" sz="1300" dirty="0">
+                <a:solidFill>
+                  <a:schemeClr val="tx1"/>
+                </a:solidFill>
+              </a:rPr>
+              <a:t>Key finding as province ‘Other’ values are not in line with rest of the provinces – outliers to be taken in account with calculations further along</a:t>
+            </a:r>
+            <a:endParaRPr lang="en-GB" sz="1300" b="1" dirty="0">
+              <a:solidFill>
+                <a:schemeClr val="tx1"/>
+              </a:solidFill>
+            </a:endParaRPr>
+          </a:p>
+          <a:p>
+            <a:endParaRPr lang="en-GB" sz="1300" b="1" dirty="0">
+              <a:solidFill>
+                <a:schemeClr val="tx1"/>
+              </a:solidFill>
+            </a:endParaRPr>
+          </a:p>
+          <a:p>
             <a:r>
               <a:rPr lang="en-GB" sz="1300" b="1" dirty="0">
                 <a:solidFill>
@@ -27203,118 +28443,6 @@
                 </a:solidFill>
               </a:rPr>
               <a:t>CVC percentage (95.5%) consistent across all United Kingdom provinces</a:t>
-            </a:r>
-            <a:br>
-              <a:rPr lang="en-GB" sz="1300" dirty="0">
-                <a:solidFill>
-                  <a:schemeClr val="tx1"/>
-                </a:solidFill>
-              </a:rPr>
-            </a:br>
-            <a:endParaRPr lang="en-GB" sz="1300" dirty="0">
-              <a:solidFill>
-                <a:schemeClr val="tx1"/>
-              </a:solidFill>
-            </a:endParaRPr>
-          </a:p>
-          <a:p>
-            <a:r>
-              <a:rPr lang="en-GB" sz="1300" b="1" dirty="0">
-                <a:solidFill>
-                  <a:schemeClr val="tx1"/>
-                </a:solidFill>
-              </a:rPr>
-              <a:t>ADVICE FOR TEAM &amp; STAKEHOLDERS: Always important to keep an eye on data quality, understanding data shape &amp; data types at all times and looking for:</a:t>
-            </a:r>
-            <a:endParaRPr lang="en-GB" sz="1300" dirty="0">
-              <a:solidFill>
-                <a:schemeClr val="tx1"/>
-              </a:solidFill>
-            </a:endParaRPr>
-          </a:p>
-          <a:p>
-            <a:endParaRPr lang="en-GB" sz="1300" dirty="0">
-              <a:solidFill>
-                <a:schemeClr val="tx1"/>
-              </a:solidFill>
-            </a:endParaRPr>
-          </a:p>
-          <a:p>
-            <a:pPr marL="800100" lvl="1" indent="-342900">
-              <a:buAutoNum type="arabicPeriod"/>
-            </a:pPr>
-            <a:r>
-              <a:rPr lang="en-GB" sz="1300" dirty="0">
-                <a:solidFill>
-                  <a:schemeClr val="tx1"/>
-                </a:solidFill>
-              </a:rPr>
-              <a:t>Data types</a:t>
-            </a:r>
-          </a:p>
-          <a:p>
-            <a:pPr marL="800100" lvl="1" indent="-342900">
-              <a:buAutoNum type="arabicPeriod"/>
-            </a:pPr>
-            <a:r>
-              <a:rPr lang="en-GB" sz="1300" dirty="0">
-                <a:solidFill>
-                  <a:schemeClr val="tx1"/>
-                </a:solidFill>
-              </a:rPr>
-              <a:t>Inconsistencies in column names</a:t>
-            </a:r>
-          </a:p>
-          <a:p>
-            <a:pPr marL="800100" lvl="1" indent="-342900">
-              <a:buAutoNum type="arabicPeriod"/>
-            </a:pPr>
-            <a:r>
-              <a:rPr lang="en-GB" sz="1300" dirty="0">
-                <a:solidFill>
-                  <a:schemeClr val="tx1"/>
-                </a:solidFill>
-              </a:rPr>
-              <a:t>Possible duplicate entries</a:t>
-            </a:r>
-          </a:p>
-          <a:p>
-            <a:pPr marL="800100" lvl="1" indent="-342900">
-              <a:buAutoNum type="arabicPeriod"/>
-            </a:pPr>
-            <a:r>
-              <a:rPr lang="en-GB" sz="1300" dirty="0">
-                <a:solidFill>
-                  <a:schemeClr val="tx1"/>
-                </a:solidFill>
-              </a:rPr>
-              <a:t>Inconsistent data entry &amp; spelling</a:t>
-            </a:r>
-          </a:p>
-          <a:p>
-            <a:pPr marL="800100" lvl="1" indent="-342900">
-              <a:buAutoNum type="arabicPeriod"/>
-            </a:pPr>
-            <a:r>
-              <a:rPr lang="en-GB" sz="1300" dirty="0">
-                <a:solidFill>
-                  <a:schemeClr val="tx1"/>
-                </a:solidFill>
-              </a:rPr>
-              <a:t>Start looking for possible outliers with the .describe() method)</a:t>
-            </a:r>
-          </a:p>
-          <a:p>
-            <a:pPr marL="800100" lvl="1" indent="-342900">
-              <a:buAutoNum type="arabicPeriod"/>
-            </a:pPr>
-            <a:r>
-              <a:rPr lang="en-GB" sz="1300" dirty="0">
-                <a:solidFill>
-                  <a:schemeClr val="tx1"/>
-                </a:solidFill>
-              </a:rPr>
-              <a:t>Ways to improve code quality (PEP8 Style Guide)</a:t>
             </a:r>
           </a:p>
         </p:txBody>
